--- a/BDIIIA06.pptx
+++ b/BDIIIA06.pptx
@@ -13,9 +13,10 @@
     <p:sldId id="263" r:id="rId7"/>
     <p:sldId id="264" r:id="rId8"/>
     <p:sldId id="265" r:id="rId9"/>
-    <p:sldId id="266" r:id="rId10"/>
-    <p:sldId id="267" r:id="rId11"/>
-    <p:sldId id="257" r:id="rId12"/>
+    <p:sldId id="268" r:id="rId10"/>
+    <p:sldId id="266" r:id="rId11"/>
+    <p:sldId id="267" r:id="rId12"/>
+    <p:sldId id="257" r:id="rId13"/>
   </p:sldIdLst>
   <p:sldSz cx="12192000" cy="6858000"/>
   <p:notesSz cx="6858000" cy="9144000"/>
@@ -314,7 +315,7 @@
             <a:fld id="{B61BEF0D-F0BB-DE4B-95CE-6DB70DBA9567}" type="datetimeFigureOut">
               <a:rPr lang="en-US" dirty="0"/>
               <a:pPr/>
-              <a:t>11/12/2020</a:t>
+              <a:t>9/13/2021</a:t>
             </a:fld>
             <a:endParaRPr lang="en-US" dirty="0"/>
           </a:p>
@@ -747,7 +748,7 @@
             <a:fld id="{B61BEF0D-F0BB-DE4B-95CE-6DB70DBA9567}" type="datetimeFigureOut">
               <a:rPr lang="en-US" dirty="0"/>
               <a:pPr/>
-              <a:t>11/12/2020</a:t>
+              <a:t>9/13/2021</a:t>
             </a:fld>
             <a:endParaRPr lang="en-US" dirty="0"/>
           </a:p>
@@ -994,7 +995,7 @@
             <a:fld id="{B61BEF0D-F0BB-DE4B-95CE-6DB70DBA9567}" type="datetimeFigureOut">
               <a:rPr lang="en-US" dirty="0"/>
               <a:pPr/>
-              <a:t>11/12/2020</a:t>
+              <a:t>9/13/2021</a:t>
             </a:fld>
             <a:endParaRPr lang="en-US" dirty="0"/>
           </a:p>
@@ -1299,7 +1300,7 @@
             <a:fld id="{B61BEF0D-F0BB-DE4B-95CE-6DB70DBA9567}" type="datetimeFigureOut">
               <a:rPr lang="en-US" dirty="0"/>
               <a:pPr/>
-              <a:t>11/12/2020</a:t>
+              <a:t>9/13/2021</a:t>
             </a:fld>
             <a:endParaRPr lang="en-US" dirty="0"/>
           </a:p>
@@ -1614,7 +1615,7 @@
             <a:fld id="{B61BEF0D-F0BB-DE4B-95CE-6DB70DBA9567}" type="datetimeFigureOut">
               <a:rPr lang="en-US" dirty="0"/>
               <a:pPr/>
-              <a:t>11/12/2020</a:t>
+              <a:t>9/13/2021</a:t>
             </a:fld>
             <a:endParaRPr lang="en-US" dirty="0"/>
           </a:p>
@@ -1913,7 +1914,7 @@
             <a:fld id="{B61BEF0D-F0BB-DE4B-95CE-6DB70DBA9567}" type="datetimeFigureOut">
               <a:rPr lang="en-US" dirty="0"/>
               <a:pPr/>
-              <a:t>11/12/2020</a:t>
+              <a:t>9/13/2021</a:t>
             </a:fld>
             <a:endParaRPr lang="en-US" dirty="0"/>
           </a:p>
@@ -2277,7 +2278,7 @@
             <a:fld id="{B61BEF0D-F0BB-DE4B-95CE-6DB70DBA9567}" type="datetimeFigureOut">
               <a:rPr lang="en-US" dirty="0"/>
               <a:pPr/>
-              <a:t>11/12/2020</a:t>
+              <a:t>9/13/2021</a:t>
             </a:fld>
             <a:endParaRPr lang="en-US" dirty="0"/>
           </a:p>
@@ -2448,7 +2449,7 @@
             <a:fld id="{B61BEF0D-F0BB-DE4B-95CE-6DB70DBA9567}" type="datetimeFigureOut">
               <a:rPr lang="en-US" dirty="0"/>
               <a:pPr/>
-              <a:t>11/12/2020</a:t>
+              <a:t>9/13/2021</a:t>
             </a:fld>
             <a:endParaRPr lang="en-US" dirty="0"/>
           </a:p>
@@ -2625,7 +2626,7 @@
             <a:fld id="{B61BEF0D-F0BB-DE4B-95CE-6DB70DBA9567}" type="datetimeFigureOut">
               <a:rPr lang="en-US" dirty="0"/>
               <a:pPr/>
-              <a:t>11/12/2020</a:t>
+              <a:t>9/13/2021</a:t>
             </a:fld>
             <a:endParaRPr lang="en-US" dirty="0"/>
           </a:p>
@@ -2792,7 +2793,7 @@
             <a:fld id="{B61BEF0D-F0BB-DE4B-95CE-6DB70DBA9567}" type="datetimeFigureOut">
               <a:rPr lang="en-US" dirty="0"/>
               <a:pPr/>
-              <a:t>11/12/2020</a:t>
+              <a:t>9/13/2021</a:t>
             </a:fld>
             <a:endParaRPr lang="en-US" dirty="0"/>
           </a:p>
@@ -3039,7 +3040,7 @@
             <a:fld id="{B61BEF0D-F0BB-DE4B-95CE-6DB70DBA9567}" type="datetimeFigureOut">
               <a:rPr lang="en-US" dirty="0"/>
               <a:pPr/>
-              <a:t>11/12/2020</a:t>
+              <a:t>9/13/2021</a:t>
             </a:fld>
             <a:endParaRPr lang="en-US" dirty="0"/>
           </a:p>
@@ -3272,7 +3273,7 @@
             <a:fld id="{B61BEF0D-F0BB-DE4B-95CE-6DB70DBA9567}" type="datetimeFigureOut">
               <a:rPr lang="en-US" dirty="0"/>
               <a:pPr/>
-              <a:t>11/12/2020</a:t>
+              <a:t>9/13/2021</a:t>
             </a:fld>
             <a:endParaRPr lang="en-US" dirty="0"/>
           </a:p>
@@ -3651,7 +3652,7 @@
             <a:fld id="{B61BEF0D-F0BB-DE4B-95CE-6DB70DBA9567}" type="datetimeFigureOut">
               <a:rPr lang="en-US" dirty="0"/>
               <a:pPr/>
-              <a:t>11/12/2020</a:t>
+              <a:t>9/13/2021</a:t>
             </a:fld>
             <a:endParaRPr lang="en-US" dirty="0"/>
           </a:p>
@@ -3766,7 +3767,7 @@
             <a:fld id="{B61BEF0D-F0BB-DE4B-95CE-6DB70DBA9567}" type="datetimeFigureOut">
               <a:rPr lang="en-US" dirty="0"/>
               <a:pPr/>
-              <a:t>11/12/2020</a:t>
+              <a:t>9/13/2021</a:t>
             </a:fld>
             <a:endParaRPr lang="en-US" dirty="0"/>
           </a:p>
@@ -3858,7 +3859,7 @@
             <a:fld id="{B61BEF0D-F0BB-DE4B-95CE-6DB70DBA9567}" type="datetimeFigureOut">
               <a:rPr lang="en-US" dirty="0"/>
               <a:pPr/>
-              <a:t>11/12/2020</a:t>
+              <a:t>9/13/2021</a:t>
             </a:fld>
             <a:endParaRPr lang="en-US" dirty="0"/>
           </a:p>
@@ -4110,7 +4111,7 @@
             <a:fld id="{B61BEF0D-F0BB-DE4B-95CE-6DB70DBA9567}" type="datetimeFigureOut">
               <a:rPr lang="en-US" dirty="0"/>
               <a:pPr/>
-              <a:t>11/12/2020</a:t>
+              <a:t>9/13/2021</a:t>
             </a:fld>
             <a:endParaRPr lang="en-US" dirty="0"/>
           </a:p>
@@ -4390,7 +4391,7 @@
             <a:fld id="{B61BEF0D-F0BB-DE4B-95CE-6DB70DBA9567}" type="datetimeFigureOut">
               <a:rPr lang="en-US" dirty="0"/>
               <a:pPr/>
-              <a:t>11/12/2020</a:t>
+              <a:t>9/13/2021</a:t>
             </a:fld>
             <a:endParaRPr lang="en-US" dirty="0"/>
           </a:p>
@@ -4793,7 +4794,7 @@
             <a:fld id="{B61BEF0D-F0BB-DE4B-95CE-6DB70DBA9567}" type="datetimeFigureOut">
               <a:rPr lang="en-US" dirty="0"/>
               <a:pPr/>
-              <a:t>11/12/2020</a:t>
+              <a:t>9/13/2021</a:t>
             </a:fld>
             <a:endParaRPr lang="en-US" dirty="0"/>
           </a:p>
@@ -5459,6 +5460,389 @@
         </p:nvSpPr>
         <p:spPr>
           <a:xfrm>
+            <a:off x="528062" y="-72394"/>
+            <a:ext cx="11135876" cy="1947333"/>
+          </a:xfrm>
+          <a:prstGeom prst="rect">
+            <a:avLst/>
+          </a:prstGeom>
+        </p:spPr>
+        <p:txBody>
+          <a:bodyPr vert="horz" lIns="91440" tIns="45720" rIns="91440" bIns="45720" rtlCol="0" anchor="ctr">
+            <a:normAutofit/>
+          </a:bodyPr>
+          <a:lstStyle>
+            <a:lvl1pPr marL="285750" indent="-285750" algn="l" defTabSz="457200" rtl="0" eaLnBrk="1" latinLnBrk="0" hangingPunct="1">
+              <a:spcBef>
+                <a:spcPct val="20000"/>
+              </a:spcBef>
+              <a:spcAft>
+                <a:spcPts val="600"/>
+              </a:spcAft>
+              <a:buClr>
+                <a:schemeClr val="tx1"/>
+              </a:buClr>
+              <a:buSzPct val="80000"/>
+              <a:buFont typeface="Wingdings 3" panose="05040102010807070707" pitchFamily="18" charset="2"/>
+              <a:buChar char=""/>
+              <a:defRPr sz="2000" kern="1200" cap="none">
+                <a:solidFill>
+                  <a:schemeClr val="bg2">
+                    <a:lumMod val="75000"/>
+                  </a:schemeClr>
+                </a:solidFill>
+                <a:effectLst/>
+                <a:latin typeface="+mn-lt"/>
+                <a:ea typeface="+mn-ea"/>
+                <a:cs typeface="+mn-cs"/>
+              </a:defRPr>
+            </a:lvl1pPr>
+            <a:lvl2pPr marL="742950" indent="-285750" algn="l" defTabSz="457200" rtl="0" eaLnBrk="1" latinLnBrk="0" hangingPunct="1">
+              <a:spcBef>
+                <a:spcPct val="20000"/>
+              </a:spcBef>
+              <a:spcAft>
+                <a:spcPts val="600"/>
+              </a:spcAft>
+              <a:buClr>
+                <a:schemeClr val="tx1"/>
+              </a:buClr>
+              <a:buSzPct val="80000"/>
+              <a:buFont typeface="Wingdings 3" panose="05040102010807070707" pitchFamily="18" charset="2"/>
+              <a:buChar char=""/>
+              <a:defRPr sz="1800" kern="1200" cap="none">
+                <a:solidFill>
+                  <a:schemeClr val="bg2">
+                    <a:lumMod val="75000"/>
+                  </a:schemeClr>
+                </a:solidFill>
+                <a:effectLst/>
+                <a:latin typeface="+mn-lt"/>
+                <a:ea typeface="+mn-ea"/>
+                <a:cs typeface="+mn-cs"/>
+              </a:defRPr>
+            </a:lvl2pPr>
+            <a:lvl3pPr marL="1200150" indent="-285750" algn="l" defTabSz="457200" rtl="0" eaLnBrk="1" latinLnBrk="0" hangingPunct="1">
+              <a:spcBef>
+                <a:spcPct val="20000"/>
+              </a:spcBef>
+              <a:spcAft>
+                <a:spcPts val="600"/>
+              </a:spcAft>
+              <a:buClr>
+                <a:schemeClr val="tx1"/>
+              </a:buClr>
+              <a:buSzPct val="80000"/>
+              <a:buFont typeface="Wingdings 3" panose="05040102010807070707" pitchFamily="18" charset="2"/>
+              <a:buChar char=""/>
+              <a:defRPr sz="1600" kern="1200" cap="none">
+                <a:solidFill>
+                  <a:schemeClr val="bg2">
+                    <a:lumMod val="75000"/>
+                  </a:schemeClr>
+                </a:solidFill>
+                <a:effectLst/>
+                <a:latin typeface="+mn-lt"/>
+                <a:ea typeface="+mn-ea"/>
+                <a:cs typeface="+mn-cs"/>
+              </a:defRPr>
+            </a:lvl3pPr>
+            <a:lvl4pPr marL="1543050" indent="-171450" algn="l" defTabSz="457200" rtl="0" eaLnBrk="1" latinLnBrk="0" hangingPunct="1">
+              <a:spcBef>
+                <a:spcPct val="20000"/>
+              </a:spcBef>
+              <a:spcAft>
+                <a:spcPts val="600"/>
+              </a:spcAft>
+              <a:buClr>
+                <a:schemeClr val="tx1"/>
+              </a:buClr>
+              <a:buSzPct val="80000"/>
+              <a:buFont typeface="Wingdings 3" panose="05040102010807070707" pitchFamily="18" charset="2"/>
+              <a:buChar char=""/>
+              <a:defRPr sz="1400" kern="1200" cap="none">
+                <a:solidFill>
+                  <a:schemeClr val="bg2">
+                    <a:lumMod val="75000"/>
+                  </a:schemeClr>
+                </a:solidFill>
+                <a:effectLst/>
+                <a:latin typeface="+mn-lt"/>
+                <a:ea typeface="+mn-ea"/>
+                <a:cs typeface="+mn-cs"/>
+              </a:defRPr>
+            </a:lvl4pPr>
+            <a:lvl5pPr marL="2000250" indent="-171450" algn="l" defTabSz="457200" rtl="0" eaLnBrk="1" latinLnBrk="0" hangingPunct="1">
+              <a:spcBef>
+                <a:spcPct val="20000"/>
+              </a:spcBef>
+              <a:spcAft>
+                <a:spcPts val="600"/>
+              </a:spcAft>
+              <a:buClr>
+                <a:schemeClr val="tx1"/>
+              </a:buClr>
+              <a:buSzPct val="80000"/>
+              <a:buFont typeface="Wingdings 3" panose="05040102010807070707" pitchFamily="18" charset="2"/>
+              <a:buChar char=""/>
+              <a:defRPr sz="1400" kern="1200" cap="none">
+                <a:solidFill>
+                  <a:schemeClr val="bg2">
+                    <a:lumMod val="75000"/>
+                  </a:schemeClr>
+                </a:solidFill>
+                <a:effectLst/>
+                <a:latin typeface="+mn-lt"/>
+                <a:ea typeface="+mn-ea"/>
+                <a:cs typeface="+mn-cs"/>
+              </a:defRPr>
+            </a:lvl5pPr>
+            <a:lvl6pPr marL="2514600" indent="-228600" algn="l" defTabSz="457200" rtl="0" eaLnBrk="1" latinLnBrk="0" hangingPunct="1">
+              <a:spcBef>
+                <a:spcPct val="20000"/>
+              </a:spcBef>
+              <a:spcAft>
+                <a:spcPts val="600"/>
+              </a:spcAft>
+              <a:buClr>
+                <a:schemeClr val="tx1"/>
+              </a:buClr>
+              <a:buSzPct val="80000"/>
+              <a:buFont typeface="Wingdings 3" panose="05040102010807070707" pitchFamily="18" charset="2"/>
+              <a:buChar char=""/>
+              <a:defRPr sz="1400" kern="1200" cap="none">
+                <a:solidFill>
+                  <a:schemeClr val="bg2">
+                    <a:lumMod val="75000"/>
+                  </a:schemeClr>
+                </a:solidFill>
+                <a:effectLst/>
+                <a:latin typeface="+mn-lt"/>
+                <a:ea typeface="+mn-ea"/>
+                <a:cs typeface="+mn-cs"/>
+              </a:defRPr>
+            </a:lvl6pPr>
+            <a:lvl7pPr marL="2971800" indent="-228600" algn="l" defTabSz="457200" rtl="0" eaLnBrk="1" latinLnBrk="0" hangingPunct="1">
+              <a:spcBef>
+                <a:spcPct val="20000"/>
+              </a:spcBef>
+              <a:spcAft>
+                <a:spcPts val="600"/>
+              </a:spcAft>
+              <a:buClr>
+                <a:schemeClr val="tx1"/>
+              </a:buClr>
+              <a:buSzPct val="80000"/>
+              <a:buFont typeface="Wingdings 3" panose="05040102010807070707" pitchFamily="18" charset="2"/>
+              <a:buChar char=""/>
+              <a:defRPr sz="1400" kern="1200" cap="none">
+                <a:solidFill>
+                  <a:schemeClr val="bg2">
+                    <a:lumMod val="75000"/>
+                  </a:schemeClr>
+                </a:solidFill>
+                <a:effectLst/>
+                <a:latin typeface="+mn-lt"/>
+                <a:ea typeface="+mn-ea"/>
+                <a:cs typeface="+mn-cs"/>
+              </a:defRPr>
+            </a:lvl7pPr>
+            <a:lvl8pPr marL="3429000" indent="-228600" algn="l" defTabSz="457200" rtl="0" eaLnBrk="1" latinLnBrk="0" hangingPunct="1">
+              <a:spcBef>
+                <a:spcPct val="20000"/>
+              </a:spcBef>
+              <a:spcAft>
+                <a:spcPts val="600"/>
+              </a:spcAft>
+              <a:buClr>
+                <a:schemeClr val="tx1"/>
+              </a:buClr>
+              <a:buSzPct val="80000"/>
+              <a:buFont typeface="Wingdings 3" panose="05040102010807070707" pitchFamily="18" charset="2"/>
+              <a:buChar char=""/>
+              <a:defRPr sz="1400" kern="1200" cap="none">
+                <a:solidFill>
+                  <a:schemeClr val="bg2">
+                    <a:lumMod val="75000"/>
+                  </a:schemeClr>
+                </a:solidFill>
+                <a:effectLst/>
+                <a:latin typeface="+mn-lt"/>
+                <a:ea typeface="+mn-ea"/>
+                <a:cs typeface="+mn-cs"/>
+              </a:defRPr>
+            </a:lvl8pPr>
+            <a:lvl9pPr marL="3886200" indent="-228600" algn="l" defTabSz="457200" rtl="0" eaLnBrk="1" latinLnBrk="0" hangingPunct="1">
+              <a:spcBef>
+                <a:spcPct val="20000"/>
+              </a:spcBef>
+              <a:spcAft>
+                <a:spcPts val="600"/>
+              </a:spcAft>
+              <a:buClr>
+                <a:schemeClr val="tx1"/>
+              </a:buClr>
+              <a:buSzPct val="80000"/>
+              <a:buFont typeface="Wingdings 3" panose="05040102010807070707" pitchFamily="18" charset="2"/>
+              <a:buChar char=""/>
+              <a:defRPr sz="1400" kern="1200" cap="none">
+                <a:solidFill>
+                  <a:schemeClr val="bg2">
+                    <a:lumMod val="75000"/>
+                  </a:schemeClr>
+                </a:solidFill>
+                <a:effectLst/>
+                <a:latin typeface="+mn-lt"/>
+                <a:ea typeface="+mn-ea"/>
+                <a:cs typeface="+mn-cs"/>
+              </a:defRPr>
+            </a:lvl9pPr>
+          </a:lstStyle>
+          <a:p>
+            <a:pPr marL="0" indent="0" algn="ctr">
+              <a:buNone/>
+            </a:pPr>
+            <a:r>
+              <a:rPr lang="pt-BR" sz="4000" dirty="0">
+                <a:solidFill>
+                  <a:schemeClr val="tx1"/>
+                </a:solidFill>
+              </a:rPr>
+              <a:t>JOIN – usando alias</a:t>
+            </a:r>
+          </a:p>
+        </p:txBody>
+      </p:sp>
+      <p:pic>
+        <p:nvPicPr>
+          <p:cNvPr id="2" name="Imagem 1">
+            <a:extLst>
+              <a:ext uri="{FF2B5EF4-FFF2-40B4-BE49-F238E27FC236}">
+                <a16:creationId xmlns:a16="http://schemas.microsoft.com/office/drawing/2014/main" id="{F355EC69-5857-4D3C-BBC7-391107FF802F}"/>
+              </a:ext>
+            </a:extLst>
+          </p:cNvPr>
+          <p:cNvPicPr>
+            <a:picLocks noChangeAspect="1"/>
+          </p:cNvPicPr>
+          <p:nvPr/>
+        </p:nvPicPr>
+        <p:blipFill>
+          <a:blip r:embed="rId2"/>
+          <a:stretch>
+            <a:fillRect/>
+          </a:stretch>
+        </p:blipFill>
+        <p:spPr>
+          <a:xfrm>
+            <a:off x="2349304" y="1505907"/>
+            <a:ext cx="7709095" cy="5195259"/>
+          </a:xfrm>
+          <a:prstGeom prst="rect">
+            <a:avLst/>
+          </a:prstGeom>
+        </p:spPr>
+      </p:pic>
+      <p:sp>
+        <p:nvSpPr>
+          <p:cNvPr id="5" name="Retângulo 4">
+            <a:extLst>
+              <a:ext uri="{FF2B5EF4-FFF2-40B4-BE49-F238E27FC236}">
+                <a16:creationId xmlns:a16="http://schemas.microsoft.com/office/drawing/2014/main" id="{D0CF0DD7-D545-4399-830A-8B30FD04A5A2}"/>
+              </a:ext>
+            </a:extLst>
+          </p:cNvPr>
+          <p:cNvSpPr/>
+          <p:nvPr/>
+        </p:nvSpPr>
+        <p:spPr>
+          <a:xfrm>
+            <a:off x="2349304" y="1505907"/>
+            <a:ext cx="7709095" cy="744924"/>
+          </a:xfrm>
+          <a:prstGeom prst="rect">
+            <a:avLst/>
+          </a:prstGeom>
+          <a:noFill/>
+          <a:ln w="38100" cap="flat" cmpd="sng" algn="ctr">
+            <a:solidFill>
+              <a:srgbClr val="FF0000"/>
+            </a:solidFill>
+            <a:prstDash val="solid"/>
+            <a:round/>
+            <a:headEnd type="none" w="med" len="med"/>
+            <a:tailEnd type="none" w="med" len="med"/>
+          </a:ln>
+        </p:spPr>
+        <p:style>
+          <a:lnRef idx="0">
+            <a:scrgbClr r="0" g="0" b="0"/>
+          </a:lnRef>
+          <a:fillRef idx="0">
+            <a:scrgbClr r="0" g="0" b="0"/>
+          </a:fillRef>
+          <a:effectRef idx="0">
+            <a:scrgbClr r="0" g="0" b="0"/>
+          </a:effectRef>
+          <a:fontRef idx="minor">
+            <a:schemeClr val="accent6"/>
+          </a:fontRef>
+        </p:style>
+        <p:txBody>
+          <a:bodyPr rtlCol="0" anchor="ctr"/>
+          <a:lstStyle/>
+          <a:p>
+            <a:pPr algn="ctr"/>
+            <a:endParaRPr lang="pt-BR"/>
+          </a:p>
+        </p:txBody>
+      </p:sp>
+    </p:spTree>
+    <p:extLst>
+      <p:ext uri="{BB962C8B-B14F-4D97-AF65-F5344CB8AC3E}">
+        <p14:creationId xmlns:p14="http://schemas.microsoft.com/office/powerpoint/2010/main" val="936256472"/>
+      </p:ext>
+    </p:extLst>
+  </p:cSld>
+  <p:clrMapOvr>
+    <a:masterClrMapping/>
+  </p:clrMapOvr>
+</p:sld>
+</file>
+
+<file path=ppt/slides/slide11.xml><?xml version="1.0" encoding="utf-8"?>
+<p:sld xmlns:a="http://schemas.openxmlformats.org/drawingml/2006/main" xmlns:r="http://schemas.openxmlformats.org/officeDocument/2006/relationships" xmlns:p="http://schemas.openxmlformats.org/presentationml/2006/main">
+  <p:cSld>
+    <p:spTree>
+      <p:nvGrpSpPr>
+        <p:cNvPr id="1" name=""/>
+        <p:cNvGrpSpPr/>
+        <p:nvPr/>
+      </p:nvGrpSpPr>
+      <p:grpSpPr>
+        <a:xfrm>
+          <a:off x="0" y="0"/>
+          <a:ext cx="0" cy="0"/>
+          <a:chOff x="0" y="0"/>
+          <a:chExt cx="0" cy="0"/>
+        </a:xfrm>
+      </p:grpSpPr>
+      <p:sp>
+        <p:nvSpPr>
+          <p:cNvPr id="7" name="Subtítulo 2">
+            <a:extLst>
+              <a:ext uri="{FF2B5EF4-FFF2-40B4-BE49-F238E27FC236}">
+                <a16:creationId xmlns:a16="http://schemas.microsoft.com/office/drawing/2014/main" id="{AB08A421-CD98-4D4D-9D9A-8B3C8FB94DD7}"/>
+              </a:ext>
+            </a:extLst>
+          </p:cNvPr>
+          <p:cNvSpPr txBox="1">
+            <a:spLocks/>
+          </p:cNvSpPr>
+          <p:nvPr/>
+        </p:nvSpPr>
+        <p:spPr>
+          <a:xfrm>
             <a:off x="528062" y="-72393"/>
             <a:ext cx="11060558" cy="949472"/>
           </a:xfrm>
@@ -5755,7 +6139,7 @@
 </p:sld>
 </file>
 
-<file path=ppt/slides/slide11.xml><?xml version="1.0" encoding="utf-8"?>
+<file path=ppt/slides/slide12.xml><?xml version="1.0" encoding="utf-8"?>
 <p:sld xmlns:a="http://schemas.openxmlformats.org/drawingml/2006/main" xmlns:r="http://schemas.openxmlformats.org/officeDocument/2006/relationships" xmlns:p="http://schemas.openxmlformats.org/presentationml/2006/main" show="0">
   <p:cSld>
     <p:spTree>
@@ -11107,8 +11491,8 @@
         </p:nvSpPr>
         <p:spPr>
           <a:xfrm>
-            <a:off x="434896" y="2554317"/>
-            <a:ext cx="11663938" cy="1384995"/>
+            <a:off x="824363" y="1301250"/>
+            <a:ext cx="11663938" cy="4401205"/>
           </a:xfrm>
           <a:prstGeom prst="rect">
             <a:avLst/>
@@ -11121,48 +11505,66 @@
           <a:lstStyle/>
           <a:p>
             <a:r>
-              <a:rPr lang="pt-BR" sz="2800" dirty="0"/>
+              <a:rPr lang="pt-BR" sz="4000" dirty="0"/>
               <a:t>SELECT </a:t>
             </a:r>
-            <a:r>
-              <a:rPr lang="pt-BR" sz="2800" dirty="0" err="1"/>
+          </a:p>
+          <a:p>
+            <a:r>
+              <a:rPr lang="pt-BR" sz="4000" dirty="0"/>
+              <a:t>	</a:t>
+            </a:r>
+            <a:r>
+              <a:rPr lang="pt-BR" sz="4000" dirty="0" err="1"/>
               <a:t>categorias.nome</a:t>
             </a:r>
             <a:r>
-              <a:rPr lang="pt-BR" sz="2800" dirty="0"/>
+              <a:rPr lang="pt-BR" sz="4000" dirty="0"/>
               <a:t>, </a:t>
             </a:r>
-            <a:r>
-              <a:rPr lang="pt-BR" sz="2800" dirty="0" err="1"/>
+          </a:p>
+          <a:p>
+            <a:r>
+              <a:rPr lang="pt-BR" sz="4000" dirty="0"/>
+              <a:t>	</a:t>
+            </a:r>
+            <a:r>
+              <a:rPr lang="pt-BR" sz="4000" dirty="0" err="1"/>
               <a:t>produtos.nome</a:t>
             </a:r>
             <a:r>
-              <a:rPr lang="pt-BR" sz="2800" dirty="0"/>
+              <a:rPr lang="pt-BR" sz="4000" dirty="0"/>
               <a:t>, </a:t>
             </a:r>
-            <a:r>
-              <a:rPr lang="pt-BR" sz="2800" dirty="0" err="1"/>
+          </a:p>
+          <a:p>
+            <a:r>
+              <a:rPr lang="pt-BR" sz="4000" dirty="0"/>
+              <a:t>	</a:t>
+            </a:r>
+            <a:r>
+              <a:rPr lang="pt-BR" sz="4000" dirty="0" err="1"/>
               <a:t>produtos.valor</a:t>
             </a:r>
-            <a:endParaRPr lang="pt-BR" sz="2800" dirty="0"/>
-          </a:p>
-          <a:p>
-            <a:r>
-              <a:rPr lang="pt-BR" sz="2800" dirty="0"/>
+            <a:endParaRPr lang="pt-BR" sz="4000" dirty="0"/>
+          </a:p>
+          <a:p>
+            <a:r>
+              <a:rPr lang="pt-BR" sz="4000" dirty="0"/>
               <a:t>FROM produtos</a:t>
             </a:r>
           </a:p>
           <a:p>
             <a:r>
-              <a:rPr lang="pt-BR" sz="2800" dirty="0"/>
+              <a:rPr lang="pt-BR" sz="4000" dirty="0"/>
               <a:t>INNER JOIN categorias ON </a:t>
             </a:r>
             <a:r>
-              <a:rPr lang="pt-BR" sz="2800" dirty="0" err="1"/>
+              <a:rPr lang="pt-BR" sz="4000" dirty="0" err="1"/>
               <a:t>produtos.categoria_id</a:t>
             </a:r>
             <a:r>
-              <a:rPr lang="pt-BR" sz="2800" dirty="0"/>
+              <a:rPr lang="pt-BR" sz="4000" dirty="0"/>
               <a:t> = categorias.id;</a:t>
             </a:r>
           </a:p>
@@ -11791,99 +12193,119 @@
                   <a:schemeClr val="tx1"/>
                 </a:solidFill>
               </a:rPr>
-              <a:t>JOIN – usando alias</a:t>
-            </a:r>
-          </a:p>
-        </p:txBody>
-      </p:sp>
-      <p:pic>
-        <p:nvPicPr>
-          <p:cNvPr id="2" name="Imagem 1">
+              <a:t>JOIN com ALIAS</a:t>
+            </a:r>
+          </a:p>
+        </p:txBody>
+      </p:sp>
+      <p:sp>
+        <p:nvSpPr>
+          <p:cNvPr id="6" name="Retângulo 5">
             <a:extLst>
               <a:ext uri="{FF2B5EF4-FFF2-40B4-BE49-F238E27FC236}">
-                <a16:creationId xmlns:a16="http://schemas.microsoft.com/office/drawing/2014/main" id="{F355EC69-5857-4D3C-BBC7-391107FF802F}"/>
+                <a16:creationId xmlns:a16="http://schemas.microsoft.com/office/drawing/2014/main" id="{E3C051B5-30A1-45D8-83E3-99FBB92177C5}"/>
               </a:ext>
             </a:extLst>
           </p:cNvPr>
-          <p:cNvPicPr>
-            <a:picLocks noChangeAspect="1"/>
-          </p:cNvPicPr>
+          <p:cNvSpPr/>
           <p:nvPr/>
-        </p:nvPicPr>
-        <p:blipFill>
-          <a:blip r:embed="rId2"/>
-          <a:stretch>
-            <a:fillRect/>
-          </a:stretch>
-        </p:blipFill>
+        </p:nvSpPr>
         <p:spPr>
           <a:xfrm>
-            <a:off x="2349304" y="1505907"/>
-            <a:ext cx="7709095" cy="5195259"/>
+            <a:off x="824363" y="1301250"/>
+            <a:ext cx="11663938" cy="3785652"/>
           </a:xfrm>
           <a:prstGeom prst="rect">
             <a:avLst/>
           </a:prstGeom>
         </p:spPr>
-      </p:pic>
-      <p:sp>
-        <p:nvSpPr>
-          <p:cNvPr id="5" name="Retângulo 4">
-            <a:extLst>
-              <a:ext uri="{FF2B5EF4-FFF2-40B4-BE49-F238E27FC236}">
-                <a16:creationId xmlns:a16="http://schemas.microsoft.com/office/drawing/2014/main" id="{D0CF0DD7-D545-4399-830A-8B30FD04A5A2}"/>
-              </a:ext>
-            </a:extLst>
-          </p:cNvPr>
-          <p:cNvSpPr/>
-          <p:nvPr/>
-        </p:nvSpPr>
-        <p:spPr>
-          <a:xfrm>
-            <a:off x="2349304" y="1505907"/>
-            <a:ext cx="7709095" cy="744924"/>
-          </a:xfrm>
-          <a:prstGeom prst="rect">
-            <a:avLst/>
-          </a:prstGeom>
-          <a:noFill/>
-          <a:ln w="38100" cap="flat" cmpd="sng" algn="ctr">
-            <a:solidFill>
-              <a:srgbClr val="FF0000"/>
-            </a:solidFill>
-            <a:prstDash val="solid"/>
-            <a:round/>
-            <a:headEnd type="none" w="med" len="med"/>
-            <a:tailEnd type="none" w="med" len="med"/>
-          </a:ln>
-        </p:spPr>
-        <p:style>
-          <a:lnRef idx="0">
-            <a:scrgbClr r="0" g="0" b="0"/>
-          </a:lnRef>
-          <a:fillRef idx="0">
-            <a:scrgbClr r="0" g="0" b="0"/>
-          </a:fillRef>
-          <a:effectRef idx="0">
-            <a:scrgbClr r="0" g="0" b="0"/>
-          </a:effectRef>
-          <a:fontRef idx="minor">
-            <a:schemeClr val="accent6"/>
-          </a:fontRef>
-        </p:style>
-        <p:txBody>
-          <a:bodyPr rtlCol="0" anchor="ctr"/>
+        <p:txBody>
+          <a:bodyPr wrap="square">
+            <a:spAutoFit/>
+          </a:bodyPr>
           <a:lstStyle/>
           <a:p>
-            <a:pPr algn="ctr"/>
-            <a:endParaRPr lang="pt-BR"/>
+            <a:r>
+              <a:rPr lang="pt-BR" sz="4000" dirty="0"/>
+              <a:t>SELECT 	</a:t>
+            </a:r>
+          </a:p>
+          <a:p>
+            <a:r>
+              <a:rPr lang="pt-BR" sz="4000" dirty="0"/>
+              <a:t>	</a:t>
+            </a:r>
+            <a:r>
+              <a:rPr lang="pt-BR" sz="4000" dirty="0" err="1"/>
+              <a:t>categorias.nome</a:t>
+            </a:r>
+            <a:r>
+              <a:rPr lang="pt-BR" sz="4000" dirty="0"/>
+              <a:t> AS 'categoria',    </a:t>
+            </a:r>
+          </a:p>
+          <a:p>
+            <a:r>
+              <a:rPr lang="pt-BR" sz="4000" dirty="0"/>
+              <a:t>	</a:t>
+            </a:r>
+            <a:r>
+              <a:rPr lang="pt-BR" sz="4000" dirty="0" err="1"/>
+              <a:t>produtos.nome</a:t>
+            </a:r>
+            <a:r>
+              <a:rPr lang="pt-BR" sz="4000" dirty="0"/>
+              <a:t> AS 'produto',    </a:t>
+            </a:r>
+          </a:p>
+          <a:p>
+            <a:r>
+              <a:rPr lang="pt-BR" sz="4000" dirty="0"/>
+              <a:t>	</a:t>
+            </a:r>
+            <a:r>
+              <a:rPr lang="pt-BR" sz="4000" dirty="0" err="1"/>
+              <a:t>produtos.valor</a:t>
+            </a:r>
+            <a:r>
+              <a:rPr lang="pt-BR" sz="4000" dirty="0"/>
+              <a:t> AS 'valor’</a:t>
+            </a:r>
+          </a:p>
+          <a:p>
+            <a:r>
+              <a:rPr lang="pt-BR" sz="4000" dirty="0"/>
+              <a:t>FROM </a:t>
+            </a:r>
+            <a:r>
+              <a:rPr lang="pt-BR" sz="4000" dirty="0" err="1"/>
+              <a:t>produtosINNER</a:t>
+            </a:r>
+            <a:r>
+              <a:rPr lang="pt-BR" sz="4000" dirty="0"/>
+              <a:t> JOIN categorias </a:t>
+            </a:r>
+          </a:p>
+          <a:p>
+            <a:r>
+              <a:rPr lang="pt-BR" sz="4000" dirty="0"/>
+              <a:t>ON </a:t>
+            </a:r>
+            <a:r>
+              <a:rPr lang="pt-BR" sz="4000" dirty="0" err="1"/>
+              <a:t>produtos.categoria_id</a:t>
+            </a:r>
+            <a:r>
+              <a:rPr lang="pt-BR" sz="4000" dirty="0"/>
+              <a:t> = categorias.id;</a:t>
+            </a:r>
           </a:p>
         </p:txBody>
       </p:sp>
     </p:spTree>
     <p:extLst>
       <p:ext uri="{BB962C8B-B14F-4D97-AF65-F5344CB8AC3E}">
-        <p14:creationId xmlns:p14="http://schemas.microsoft.com/office/powerpoint/2010/main" val="936256472"/>
+        <p14:creationId xmlns:p14="http://schemas.microsoft.com/office/powerpoint/2010/main" val="3486896590"/>
       </p:ext>
     </p:extLst>
   </p:cSld>
